--- a/16-regression.pptx
+++ b/16-regression.pptx
@@ -729,7 +729,7 @@
         </p:nvSpPr>
         <p:spPr>
           <a:xfrm>
-            <a:off x="381300" y="685800"/>
+            <a:off x="381000" y="685800"/>
             <a:ext cx="6096000" cy="3429000"/>
           </a:xfrm>
           <a:custGeom>
@@ -7081,10 +7081,18 @@
               <a:buNone/>
             </a:pPr>
             <a:r>
-              <a:rPr lang="en"/>
-              <a:t>In regression we predict values rather than discrete labels.</a:t>
-            </a:r>
-            <a:endParaRPr/>
+              <a:rPr lang="en" dirty="0"/>
+              <a:t>In regression we predict </a:t>
+            </a:r>
+            <a:r>
+              <a:rPr lang="en" u="sng" dirty="0"/>
+              <a:t>values</a:t>
+            </a:r>
+            <a:r>
+              <a:rPr lang="en" dirty="0"/>
+              <a:t> rather than discrete labels.</a:t>
+            </a:r>
+            <a:endParaRPr dirty="0"/>
           </a:p>
           <a:p>
             <a:pPr marL="0" lvl="0" indent="0" rtl="0">
@@ -7096,7 +7104,7 @@
               </a:spcAft>
               <a:buNone/>
             </a:pPr>
-            <a:endParaRPr/>
+            <a:endParaRPr dirty="0"/>
           </a:p>
         </p:txBody>
       </p:sp>
@@ -7133,6 +7141,13 @@
   <p:clrMapOvr>
     <a:masterClrMapping/>
   </p:clrMapOvr>
+  <p:timing>
+    <p:tnLst>
+      <p:par>
+        <p:cTn id="1" dur="indefinite" restart="never" nodeType="tmRoot"/>
+      </p:par>
+    </p:tnLst>
+  </p:timing>
 </p:sld>
 </file>
 
@@ -10064,15 +10079,15 @@
               <a:t>mlp</a:t>
             </a:r>
             <a:r>
-              <a:rPr lang="en-US" smtClean="0"/>
+              <a:rPr lang="en-US" dirty="0" smtClean="0"/>
               <a:t>, </a:t>
             </a:r>
             <a:r>
-              <a:rPr lang="en" smtClean="0"/>
+              <a:rPr lang="en" dirty="0" smtClean="0"/>
               <a:t>tree</a:t>
             </a:r>
             <a:r>
-              <a:rPr lang="en"/>
+              <a:rPr lang="en" dirty="0"/>
               <a:t>, or </a:t>
             </a:r>
             <a:r>
@@ -10287,6 +10302,13 @@
   <p:clrMapOvr>
     <a:masterClrMapping/>
   </p:clrMapOvr>
+  <p:timing>
+    <p:tnLst>
+      <p:par>
+        <p:cTn id="1" dur="indefinite" restart="never" nodeType="tmRoot"/>
+      </p:par>
+    </p:tnLst>
+  </p:timing>
 </p:sld>
 </file>
 
@@ -11650,6 +11672,13 @@
   <p:clrMapOvr>
     <a:masterClrMapping/>
   </p:clrMapOvr>
+  <p:timing>
+    <p:tnLst>
+      <p:par>
+        <p:cTn id="1" dur="indefinite" restart="never" nodeType="tmRoot"/>
+      </p:par>
+    </p:tnLst>
+  </p:timing>
 </p:sld>
 </file>
 
@@ -11777,6 +11806,13 @@
   <p:clrMapOvr>
     <a:masterClrMapping/>
   </p:clrMapOvr>
+  <p:timing>
+    <p:tnLst>
+      <p:par>
+        <p:cTn id="1" dur="indefinite" restart="never" nodeType="tmRoot"/>
+      </p:par>
+    </p:tnLst>
+  </p:timing>
 </p:sld>
 </file>
 
@@ -11867,6 +11903,13 @@
   <p:clrMapOvr>
     <a:masterClrMapping/>
   </p:clrMapOvr>
+  <p:timing>
+    <p:tnLst>
+      <p:par>
+        <p:cTn id="1" dur="indefinite" restart="never" nodeType="tmRoot"/>
+      </p:par>
+    </p:tnLst>
+  </p:timing>
 </p:sld>
 </file>
 
@@ -12016,6 +12059,13 @@
   <p:clrMapOvr>
     <a:masterClrMapping/>
   </p:clrMapOvr>
+  <p:timing>
+    <p:tnLst>
+      <p:par>
+        <p:cTn id="1" dur="indefinite" restart="never" nodeType="tmRoot"/>
+      </p:par>
+    </p:tnLst>
+  </p:timing>
 </p:sld>
 </file>
 
@@ -12844,6 +12894,13 @@
   <p:clrMapOvr>
     <a:masterClrMapping/>
   </p:clrMapOvr>
+  <p:timing>
+    <p:tnLst>
+      <p:par>
+        <p:cTn id="1" dur="indefinite" restart="never" nodeType="tmRoot"/>
+      </p:par>
+    </p:tnLst>
+  </p:timing>
 </p:sld>
 </file>
 
@@ -13002,6 +13059,13 @@
   <p:clrMapOvr>
     <a:masterClrMapping/>
   </p:clrMapOvr>
+  <p:timing>
+    <p:tnLst>
+      <p:par>
+        <p:cTn id="1" dur="indefinite" restart="never" nodeType="tmRoot"/>
+      </p:par>
+    </p:tnLst>
+  </p:timing>
 </p:sld>
 </file>
 
@@ -13219,6 +13283,13 @@
   <p:clrMapOvr>
     <a:masterClrMapping/>
   </p:clrMapOvr>
+  <p:timing>
+    <p:tnLst>
+      <p:par>
+        <p:cTn id="1" dur="indefinite" restart="never" nodeType="tmRoot"/>
+      </p:par>
+    </p:tnLst>
+  </p:timing>
 </p:sld>
 </file>
 

--- a/16-regression.pptx
+++ b/16-regression.pptx
@@ -258,6 +258,11 @@
       </a:defRPr>
     </a:lvl9pPr>
   </p:defaultTextStyle>
+  <p:extLst>
+    <p:ext uri="{EFAFB233-063F-42B5-8137-9DF3F51BA10A}">
+      <p15:sldGuideLst xmlns:p15="http://schemas.microsoft.com/office/powerpoint/2012/main"/>
+    </p:ext>
+  </p:extLst>
 </p:presentation>
 </file>
 
@@ -1992,7 +1997,7 @@
         </p:nvSpPr>
         <p:spPr>
           <a:xfrm>
-            <a:off x="381300" y="685800"/>
+            <a:off x="381000" y="685800"/>
             <a:ext cx="6096000" cy="3429000"/>
           </a:xfrm>
           <a:custGeom>
@@ -2205,7 +2210,7 @@
         </p:nvSpPr>
         <p:spPr>
           <a:xfrm>
-            <a:off x="381300" y="685800"/>
+            <a:off x="381000" y="685800"/>
             <a:ext cx="6096000" cy="3429000"/>
           </a:xfrm>
           <a:custGeom>
@@ -7511,24 +7516,14 @@
             <a:endParaRPr dirty="0"/>
           </a:p>
           <a:p>
-            <a:pPr marL="0" lvl="0" indent="0">
-              <a:spcBef>
-                <a:spcPts val="1600"/>
-              </a:spcBef>
-              <a:spcAft>
-                <a:spcPts val="1600"/>
-              </a:spcAft>
-              <a:buNone/>
-            </a:pPr>
-            <a:r>
-              <a:rPr lang="en" dirty="0"/>
-              <a:t>Demo - </a:t>
-            </a:r>
-            <a:r>
-              <a:rPr lang="en" dirty="0" err="1"/>
-              <a:t>tree_regr_grid.py</a:t>
-            </a:r>
-            <a:endParaRPr dirty="0"/>
+            <a:pPr marL="114300" indent="0">
+              <a:buNone/>
+            </a:pPr>
+            <a:r>
+              <a:rPr lang="en-US" dirty="0"/>
+              <a:t>See 16a-regression Notebook</a:t>
+            </a:r>
+            <a:endParaRPr lang="en-US" dirty="0"/>
           </a:p>
         </p:txBody>
       </p:sp>
@@ -8686,7 +8681,19 @@
           <a:p>
             <a:r>
               <a:rPr lang="en-US" dirty="0" smtClean="0"/>
-              <a:t>KNN Regression</a:t>
+              <a:t>KNN </a:t>
+            </a:r>
+            <a:r>
+              <a:rPr lang="en-US" dirty="0" smtClean="0"/>
+              <a:t>Regression </a:t>
+            </a:r>
+            <a:r>
+              <a:rPr lang="mr-IN" dirty="0" smtClean="0"/>
+              <a:t>–</a:t>
+            </a:r>
+            <a:r>
+              <a:rPr lang="en-US" dirty="0" smtClean="0"/>
+              <a:t> Non-linear</a:t>
             </a:r>
             <a:endParaRPr lang="en-US" dirty="0"/>
           </a:p>
@@ -9624,7 +9631,6 @@
               <a:rPr lang="en-US" dirty="0" smtClean="0"/>
               <a:t>n = 3</a:t>
             </a:r>
-            <a:endParaRPr lang="en-US" dirty="0" smtClean="0"/>
           </a:p>
           <a:p>
             <a:pPr>
@@ -12864,7 +12870,7 @@
         <p:spPr>
           <a:xfrm>
             <a:off x="6142383" y="2315817"/>
-            <a:ext cx="1665841" cy="307777"/>
+            <a:ext cx="2561920" cy="307777"/>
           </a:xfrm>
           <a:prstGeom prst="rect">
             <a:avLst/>
@@ -12878,12 +12884,8 @@
           <a:lstStyle/>
           <a:p>
             <a:r>
-              <a:rPr lang="en-US" dirty="0" err="1"/>
-              <a:t>t</a:t>
-            </a:r>
-            <a:r>
-              <a:rPr lang="en-US" dirty="0" err="1" smtClean="0"/>
-              <a:t>ree_regression.py</a:t>
+              <a:rPr lang="en-US" dirty="0" smtClean="0"/>
+              <a:t>See 16a-regression Notebook</a:t>
             </a:r>
             <a:endParaRPr lang="en-US" dirty="0"/>
           </a:p>
@@ -13163,18 +13165,18 @@
               <a:buNone/>
             </a:pPr>
             <a:r>
-              <a:rPr lang="en"/>
+              <a:rPr lang="en" dirty="0"/>
               <a:t>Even with regression trees there is the possibility of </a:t>
             </a:r>
             <a:r>
-              <a:rPr lang="en" i="1"/>
+              <a:rPr lang="en" i="1" dirty="0"/>
               <a:t>overfitting</a:t>
             </a:r>
             <a:r>
-              <a:rPr lang="en"/>
+              <a:rPr lang="en" dirty="0"/>
               <a:t>.</a:t>
             </a:r>
-            <a:endParaRPr/>
+            <a:endParaRPr dirty="0"/>
           </a:p>
           <a:p>
             <a:pPr marL="0" lvl="0" indent="0">
@@ -13187,10 +13189,10 @@
               <a:buNone/>
             </a:pPr>
             <a:r>
-              <a:rPr lang="en"/>
+              <a:rPr lang="en" dirty="0"/>
               <a:t>Consider the noisy sine curve…</a:t>
             </a:r>
-            <a:endParaRPr/>
+            <a:endParaRPr dirty="0"/>
           </a:p>
           <a:p>
             <a:pPr marL="0" lvl="0" indent="0">
@@ -13202,7 +13204,20 @@
               </a:spcAft>
               <a:buNone/>
             </a:pPr>
-            <a:endParaRPr/>
+            <a:endParaRPr dirty="0"/>
+          </a:p>
+          <a:p>
+            <a:pPr marL="114300" indent="0">
+              <a:buNone/>
+            </a:pPr>
+            <a:r>
+              <a:rPr lang="en-US" dirty="0" smtClean="0"/>
+              <a:t>See </a:t>
+            </a:r>
+            <a:r>
+              <a:rPr lang="en-US" dirty="0"/>
+              <a:t>16a-regression Notebook</a:t>
+            </a:r>
           </a:p>
           <a:p>
             <a:pPr marL="0" lvl="0" indent="0">
@@ -13210,43 +13225,15 @@
                 <a:spcPts val="1600"/>
               </a:spcBef>
               <a:spcAft>
-                <a:spcPts val="0"/>
-              </a:spcAft>
-              <a:buNone/>
-            </a:pPr>
-            <a:endParaRPr/>
-          </a:p>
-          <a:p>
-            <a:pPr marL="0" lvl="0" indent="0">
-              <a:spcBef>
                 <a:spcPts val="1600"/>
-              </a:spcBef>
-              <a:spcAft>
-                <a:spcPts val="0"/>
-              </a:spcAft>
-              <a:buNone/>
-            </a:pPr>
-            <a:r>
-              <a:rPr lang="en"/>
-              <a:t>Demo - tree_regression2.py</a:t>
-            </a:r>
-            <a:endParaRPr/>
-          </a:p>
-          <a:p>
-            <a:pPr marL="0" lvl="0" indent="0">
-              <a:spcBef>
-                <a:spcPts val="1600"/>
-              </a:spcBef>
-              <a:spcAft>
-                <a:spcPts val="1600"/>
-              </a:spcAft>
-              <a:buNone/>
-            </a:pPr>
-            <a:r>
-              <a:rPr lang="en"/>
+              </a:spcAft>
+              <a:buNone/>
+            </a:pPr>
+            <a:r>
+              <a:rPr lang="en" dirty="0" smtClean="0"/>
               <a:t> </a:t>
             </a:r>
-            <a:endParaRPr/>
+            <a:endParaRPr dirty="0"/>
           </a:p>
         </p:txBody>
       </p:sp>

--- a/16-regression.pptx
+++ b/16-regression.pptx
@@ -9974,10 +9974,10 @@
               <a:buNone/>
             </a:pPr>
             <a:r>
-              <a:rPr lang="en"/>
+              <a:rPr lang="en" dirty="0"/>
               <a:t>Exercise</a:t>
             </a:r>
-            <a:endParaRPr/>
+            <a:endParaRPr dirty="0"/>
           </a:p>
         </p:txBody>
       </p:sp>
@@ -9993,8 +9993,8 @@
         </p:nvSpPr>
         <p:spPr>
           <a:xfrm>
-            <a:off x="311700" y="1152475"/>
-            <a:ext cx="8520600" cy="3416400"/>
+            <a:off x="311701" y="1152475"/>
+            <a:ext cx="4389508" cy="3416400"/>
           </a:xfrm>
           <a:prstGeom prst="rect">
             <a:avLst/>
@@ -10016,10 +10016,10 @@
               <a:buNone/>
             </a:pPr>
             <a:r>
-              <a:rPr lang="en" dirty="0"/>
+              <a:rPr lang="en" sz="1200" dirty="0"/>
               <a:t>Use the ‘cars’ data set from:</a:t>
             </a:r>
-            <a:endParaRPr dirty="0"/>
+            <a:endParaRPr sz="1200" dirty="0"/>
           </a:p>
           <a:p>
             <a:pPr marL="0" lvl="0" indent="0">
@@ -10032,7 +10032,7 @@
               <a:buNone/>
             </a:pPr>
             <a:r>
-              <a:rPr lang="en" u="sng" dirty="0">
+              <a:rPr lang="en" sz="1200" u="sng" dirty="0">
                 <a:solidFill>
                   <a:schemeClr val="hlink"/>
                 </a:solidFill>
@@ -10040,7 +10040,7 @@
               </a:rPr>
               <a:t>https://vincentarelbundock.github.io/Rdatasets/datasets.html</a:t>
             </a:r>
-            <a:endParaRPr dirty="0"/>
+            <a:endParaRPr sz="1200" dirty="0"/>
           </a:p>
           <a:p>
             <a:pPr marL="0" lvl="0" indent="0">
@@ -10053,18 +10053,18 @@
               <a:buNone/>
             </a:pPr>
             <a:r>
-              <a:rPr lang="en" dirty="0"/>
+              <a:rPr lang="en" sz="1200" dirty="0"/>
               <a:t>Drop the first column, target column is ‘</a:t>
             </a:r>
             <a:r>
-              <a:rPr lang="en" dirty="0" err="1"/>
+              <a:rPr lang="en" sz="1200" dirty="0" err="1"/>
               <a:t>dist</a:t>
             </a:r>
             <a:r>
-              <a:rPr lang="en" dirty="0"/>
+              <a:rPr lang="en" sz="1200" dirty="0"/>
               <a:t>’</a:t>
             </a:r>
-            <a:endParaRPr dirty="0"/>
+            <a:endParaRPr sz="1200" dirty="0"/>
           </a:p>
           <a:p>
             <a:pPr marL="0" lvl="0" indent="0">
@@ -10077,34 +10077,263 @@
               <a:buNone/>
             </a:pPr>
             <a:r>
-              <a:rPr lang="en" dirty="0"/>
+              <a:rPr lang="en" sz="1200" dirty="0"/>
               <a:t>Which one performs best on this data set: linear, </a:t>
             </a:r>
             <a:r>
-              <a:rPr lang="en-US" dirty="0" err="1" smtClean="0"/>
+              <a:rPr lang="en-US" sz="1200" dirty="0" err="1" smtClean="0"/>
               <a:t>mlp</a:t>
             </a:r>
             <a:r>
+              <a:rPr lang="en-US" sz="1200" dirty="0" smtClean="0"/>
+              <a:t>, </a:t>
+            </a:r>
+            <a:r>
+              <a:rPr lang="en" sz="1200" dirty="0" smtClean="0"/>
+              <a:t>tree</a:t>
+            </a:r>
+            <a:r>
+              <a:rPr lang="en" sz="1200" dirty="0"/>
+              <a:t>, or </a:t>
+            </a:r>
+            <a:r>
+              <a:rPr lang="en" sz="1200" dirty="0" err="1"/>
+              <a:t>knn</a:t>
+            </a:r>
+            <a:r>
+              <a:rPr lang="en" sz="1200" dirty="0"/>
+              <a:t> regression?  That is, which one gets the best cross-validated R^2 score?</a:t>
+            </a:r>
+            <a:endParaRPr sz="1200" dirty="0"/>
+          </a:p>
+        </p:txBody>
+      </p:sp>
+      <p:sp>
+        <p:nvSpPr>
+          <p:cNvPr id="2" name="TextBox 1"/>
+          <p:cNvSpPr txBox="1"/>
+          <p:nvPr/>
+        </p:nvSpPr>
+        <p:spPr>
+          <a:xfrm>
+            <a:off x="4840357" y="262354"/>
+            <a:ext cx="4144083" cy="4401205"/>
+          </a:xfrm>
+          <a:prstGeom prst="rect">
+            <a:avLst/>
+          </a:prstGeom>
+          <a:noFill/>
+          <a:ln>
+            <a:solidFill>
+              <a:schemeClr val="tx1"/>
+            </a:solidFill>
+          </a:ln>
+        </p:spPr>
+        <p:txBody>
+          <a:bodyPr wrap="none" rtlCol="0">
+            <a:spAutoFit/>
+          </a:bodyPr>
+          <a:lstStyle/>
+          <a:p>
+            <a:r>
+              <a:rPr lang="en-US" b="1" dirty="0" smtClean="0"/>
+              <a:t>Teams:</a:t>
+            </a:r>
+          </a:p>
+          <a:p>
+            <a:r>
               <a:rPr lang="en-US" dirty="0" smtClean="0"/>
-              <a:t>, </a:t>
-            </a:r>
-            <a:r>
-              <a:rPr lang="en" dirty="0" smtClean="0"/>
-              <a:t>tree</a:t>
-            </a:r>
-            <a:r>
-              <a:rPr lang="en" dirty="0"/>
-              <a:t>, or </a:t>
-            </a:r>
-            <a:r>
-              <a:rPr lang="en" dirty="0" err="1"/>
-              <a:t>knn</a:t>
-            </a:r>
-            <a:r>
-              <a:rPr lang="en" dirty="0"/>
-              <a:t> regression?  That is, which one gets the best cross-validated R^2 score?</a:t>
-            </a:r>
-            <a:endParaRPr dirty="0"/>
+              <a:t>Team </a:t>
+            </a:r>
+            <a:r>
+              <a:rPr lang="en-US" dirty="0"/>
+              <a:t>0:  Liam Patrick, Sabrina N., John D., </a:t>
+            </a:r>
+          </a:p>
+          <a:p>
+            <a:r>
+              <a:rPr lang="en-US" dirty="0"/>
+              <a:t>Team 1:  Ian G, Nicholas, Cameron J, </a:t>
+            </a:r>
+          </a:p>
+          <a:p>
+            <a:r>
+              <a:rPr lang="en-US" dirty="0"/>
+              <a:t>Team 2:  </a:t>
+            </a:r>
+            <a:r>
+              <a:rPr lang="en-US" dirty="0" err="1"/>
+              <a:t>Eben</a:t>
+            </a:r>
+            <a:r>
+              <a:rPr lang="en-US" dirty="0"/>
+              <a:t>, Thomas J, Reece D, </a:t>
+            </a:r>
+          </a:p>
+          <a:p>
+            <a:r>
+              <a:rPr lang="en-US" dirty="0"/>
+              <a:t>Team 3:  Sean M, Anthony, Brandon L, </a:t>
+            </a:r>
+          </a:p>
+          <a:p>
+            <a:r>
+              <a:rPr lang="en-US" dirty="0"/>
+              <a:t>Team 4:  Shane R, Josh David, Jessica, </a:t>
+            </a:r>
+          </a:p>
+          <a:p>
+            <a:r>
+              <a:rPr lang="en-US" dirty="0"/>
+              <a:t>Team 5:  Cassie, Alex M, Chris Joseph, </a:t>
+            </a:r>
+          </a:p>
+          <a:p>
+            <a:r>
+              <a:rPr lang="en-US" dirty="0"/>
+              <a:t>Team 6:  Jacob, </a:t>
+            </a:r>
+            <a:r>
+              <a:rPr lang="en-US" dirty="0" err="1"/>
+              <a:t>Geoffroy</a:t>
+            </a:r>
+            <a:r>
+              <a:rPr lang="en-US" dirty="0"/>
+              <a:t> L, Christopher P, </a:t>
+            </a:r>
+          </a:p>
+          <a:p>
+            <a:r>
+              <a:rPr lang="en-US" dirty="0"/>
+              <a:t>Team 7:  Logan, Jack Francis, Brevin </a:t>
+            </a:r>
+            <a:r>
+              <a:rPr lang="en-US" dirty="0" err="1"/>
+              <a:t>Kordel</a:t>
+            </a:r>
+            <a:r>
+              <a:rPr lang="en-US" dirty="0"/>
+              <a:t>, </a:t>
+            </a:r>
+          </a:p>
+          <a:p>
+            <a:r>
+              <a:rPr lang="en-US" dirty="0"/>
+              <a:t>Team 8:  </a:t>
+            </a:r>
+            <a:r>
+              <a:rPr lang="en-US" dirty="0" err="1"/>
+              <a:t>HopeRose</a:t>
+            </a:r>
+            <a:r>
+              <a:rPr lang="en-US" dirty="0"/>
+              <a:t> Falco, Mark Anthony, Eric T, </a:t>
+            </a:r>
+          </a:p>
+          <a:p>
+            <a:r>
+              <a:rPr lang="en-US" dirty="0"/>
+              <a:t>Team 9:  John L, </a:t>
+            </a:r>
+            <a:r>
+              <a:rPr lang="en-US" dirty="0" err="1"/>
+              <a:t>Sedes</a:t>
+            </a:r>
+            <a:r>
+              <a:rPr lang="en-US" dirty="0"/>
+              <a:t>, Jeffrey C, </a:t>
+            </a:r>
+          </a:p>
+          <a:p>
+            <a:r>
+              <a:rPr lang="en-US" dirty="0"/>
+              <a:t>Team 10:  </a:t>
+            </a:r>
+            <a:r>
+              <a:rPr lang="en-US" dirty="0" err="1"/>
+              <a:t>Rotman</a:t>
+            </a:r>
+            <a:r>
+              <a:rPr lang="en-US" dirty="0"/>
+              <a:t> D, </a:t>
+            </a:r>
+            <a:r>
+              <a:rPr lang="en-US" dirty="0" err="1"/>
+              <a:t>Milucy</a:t>
+            </a:r>
+            <a:r>
+              <a:rPr lang="en-US" dirty="0"/>
+              <a:t> Freire, Max M, </a:t>
+            </a:r>
+          </a:p>
+          <a:p>
+            <a:r>
+              <a:rPr lang="en-US" dirty="0"/>
+              <a:t>Team 11:  Aaron, Victoria, Andrew J, </a:t>
+            </a:r>
+          </a:p>
+          <a:p>
+            <a:r>
+              <a:rPr lang="en-US" dirty="0"/>
+              <a:t>Team 12:  Chen, </a:t>
+            </a:r>
+            <a:r>
+              <a:rPr lang="en-US" dirty="0" err="1"/>
+              <a:t>Fehmina</a:t>
+            </a:r>
+            <a:r>
+              <a:rPr lang="en-US" dirty="0"/>
+              <a:t>, Jacob Daniel, </a:t>
+            </a:r>
+          </a:p>
+          <a:p>
+            <a:r>
+              <a:rPr lang="en-US" dirty="0"/>
+              <a:t>Team 13:  Mikayla J, Johnny V, Christopher K, </a:t>
+            </a:r>
+          </a:p>
+          <a:p>
+            <a:r>
+              <a:rPr lang="en-US" dirty="0"/>
+              <a:t>Team 14:  Eunice M, Polly, Joe Peter, </a:t>
+            </a:r>
+          </a:p>
+          <a:p>
+            <a:r>
+              <a:rPr lang="en-US" dirty="0"/>
+              <a:t>Team 15:  Kurtis, Isaac Michael, Nate Arthur, </a:t>
+            </a:r>
+          </a:p>
+          <a:p>
+            <a:r>
+              <a:rPr lang="en-US" dirty="0"/>
+              <a:t>Team 16:  Lydia E, John M., Matthew R, </a:t>
+            </a:r>
+          </a:p>
+          <a:p>
+            <a:r>
+              <a:rPr lang="en-US" dirty="0"/>
+              <a:t>Team 17:  Alec Kai, </a:t>
+            </a:r>
+            <a:r>
+              <a:rPr lang="en-US" dirty="0" err="1"/>
+              <a:t>Aman</a:t>
+            </a:r>
+            <a:r>
+              <a:rPr lang="en-US" dirty="0"/>
+              <a:t>, Kyle, </a:t>
+            </a:r>
+          </a:p>
+          <a:p>
+            <a:r>
+              <a:rPr lang="en-US" dirty="0"/>
+              <a:t>Team 18:  Chris, Michael</a:t>
+            </a:r>
+            <a:r>
+              <a:rPr lang="en-US" dirty="0" smtClean="0"/>
+              <a:t>,</a:t>
+            </a:r>
+            <a:endParaRPr lang="en-US" dirty="0"/>
           </a:p>
         </p:txBody>
       </p:sp>
